--- a/ThinkTech.pptx
+++ b/ThinkTech.pptx
@@ -111,6 +111,11 @@
       </a:defRPr>
     </a:lvl9pPr>
   </p:defaultTextStyle>
+  <p:extLst>
+    <p:ext uri="{EFAFB233-063F-42B5-8137-9DF3F51BA10A}">
+      <p15:sldGuideLst xmlns:p15="http://schemas.microsoft.com/office/powerpoint/2012/main"/>
+    </p:ext>
+  </p:extLst>
 </p:presentation>
 </file>
 
@@ -6214,7 +6219,6 @@
               <a:rPr lang="en-ZA" sz="3200" dirty="0" smtClean="0"/>
               <a:t> </a:t>
             </a:r>
-            <a:endParaRPr lang="en-ZA" sz="3200" dirty="0" smtClean="0"/>
           </a:p>
           <a:p>
             <a:r>
@@ -6825,6 +6829,12 @@
               <a:rPr lang="en-ZA" dirty="0" smtClean="0"/>
               <a:t>	[Insert picture of screenshot of the backlogs here?] </a:t>
             </a:r>
+            <a:endParaRPr lang="en-ZA" dirty="0" smtClean="0"/>
+          </a:p>
+          <a:p>
+            <a:pPr marL="0" indent="0">
+              <a:buNone/>
+            </a:pPr>
             <a:endParaRPr lang="en-ZA" dirty="0"/>
           </a:p>
         </p:txBody>
@@ -6923,6 +6933,36 @@
           </a:p>
         </p:txBody>
       </p:sp>
+      <p:pic>
+        <p:nvPicPr>
+          <p:cNvPr id="4" name="Picture 3"/>
+          <p:cNvPicPr>
+            <a:picLocks noChangeAspect="1"/>
+          </p:cNvPicPr>
+          <p:nvPr/>
+        </p:nvPicPr>
+        <p:blipFill>
+          <a:blip r:embed="rId2" cstate="print">
+            <a:extLst>
+              <a:ext uri="{28A0092B-C50C-407E-A947-70E740481C1C}">
+                <a14:useLocalDpi xmlns:a14="http://schemas.microsoft.com/office/drawing/2010/main" val="0"/>
+              </a:ext>
+            </a:extLst>
+          </a:blip>
+          <a:stretch>
+            <a:fillRect/>
+          </a:stretch>
+        </p:blipFill>
+        <p:spPr>
+          <a:xfrm>
+            <a:off x="6520204" y="3640037"/>
+            <a:ext cx="5425549" cy="3051872"/>
+          </a:xfrm>
+          <a:prstGeom prst="rect">
+            <a:avLst/>
+          </a:prstGeom>
+        </p:spPr>
+      </p:pic>
     </p:spTree>
     <p:extLst>
       <p:ext uri="{BB962C8B-B14F-4D97-AF65-F5344CB8AC3E}">

--- a/ThinkTech.pptx
+++ b/ThinkTech.pptx
@@ -6839,6 +6839,29 @@
           </a:p>
         </p:txBody>
       </p:sp>
+      <p:pic>
+        <p:nvPicPr>
+          <p:cNvPr id="5" name="Picture 4"/>
+          <p:cNvPicPr>
+            <a:picLocks noChangeAspect="1"/>
+          </p:cNvPicPr>
+          <p:nvPr/>
+        </p:nvPicPr>
+        <p:blipFill rotWithShape="1">
+          <a:blip r:embed="rId2"/>
+          <a:srcRect l="37684" t="20666" r="23158" b="6351"/>
+          <a:stretch/>
+        </p:blipFill>
+        <p:spPr>
+          <a:xfrm>
+            <a:off x="8149389" y="3465095"/>
+            <a:ext cx="3860077" cy="3392905"/>
+          </a:xfrm>
+          <a:prstGeom prst="rect">
+            <a:avLst/>
+          </a:prstGeom>
+        </p:spPr>
+      </p:pic>
     </p:spTree>
     <p:extLst>
       <p:ext uri="{BB962C8B-B14F-4D97-AF65-F5344CB8AC3E}">

--- a/ThinkTech.pptx
+++ b/ThinkTech.pptx
@@ -305,7 +305,7 @@
           <a:p>
             <a:fld id="{96153EF0-2A77-4DE1-B4D5-B183444FA383}" type="datetimeFigureOut">
               <a:rPr lang="en-ZA" smtClean="0"/>
-              <a:t>2015/07/23</a:t>
+              <a:t>2015-07-24</a:t>
             </a:fld>
             <a:endParaRPr lang="en-ZA"/>
           </a:p>
@@ -580,7 +580,7 @@
           <a:p>
             <a:fld id="{96153EF0-2A77-4DE1-B4D5-B183444FA383}" type="datetimeFigureOut">
               <a:rPr lang="en-ZA" smtClean="0"/>
-              <a:t>2015/07/23</a:t>
+              <a:t>2015-07-24</a:t>
             </a:fld>
             <a:endParaRPr lang="en-ZA"/>
           </a:p>
@@ -774,7 +774,7 @@
           <a:p>
             <a:fld id="{96153EF0-2A77-4DE1-B4D5-B183444FA383}" type="datetimeFigureOut">
               <a:rPr lang="en-ZA" smtClean="0"/>
-              <a:t>2015/07/23</a:t>
+              <a:t>2015-07-24</a:t>
             </a:fld>
             <a:endParaRPr lang="en-ZA"/>
           </a:p>
@@ -1047,7 +1047,7 @@
           <a:p>
             <a:fld id="{96153EF0-2A77-4DE1-B4D5-B183444FA383}" type="datetimeFigureOut">
               <a:rPr lang="en-ZA" smtClean="0"/>
-              <a:t>2015/07/23</a:t>
+              <a:t>2015-07-24</a:t>
             </a:fld>
             <a:endParaRPr lang="en-ZA"/>
           </a:p>
@@ -1388,7 +1388,7 @@
           <a:p>
             <a:fld id="{96153EF0-2A77-4DE1-B4D5-B183444FA383}" type="datetimeFigureOut">
               <a:rPr lang="en-ZA" smtClean="0"/>
-              <a:t>2015/07/23</a:t>
+              <a:t>2015-07-24</a:t>
             </a:fld>
             <a:endParaRPr lang="en-ZA"/>
           </a:p>
@@ -2011,7 +2011,7 @@
           <a:p>
             <a:fld id="{96153EF0-2A77-4DE1-B4D5-B183444FA383}" type="datetimeFigureOut">
               <a:rPr lang="en-ZA" smtClean="0"/>
-              <a:t>2015/07/23</a:t>
+              <a:t>2015-07-24</a:t>
             </a:fld>
             <a:endParaRPr lang="en-ZA"/>
           </a:p>
@@ -2871,7 +2871,7 @@
           <a:p>
             <a:fld id="{96153EF0-2A77-4DE1-B4D5-B183444FA383}" type="datetimeFigureOut">
               <a:rPr lang="en-ZA" smtClean="0"/>
-              <a:t>2015/07/23</a:t>
+              <a:t>2015-07-24</a:t>
             </a:fld>
             <a:endParaRPr lang="en-ZA"/>
           </a:p>
@@ -3041,7 +3041,7 @@
           <a:p>
             <a:fld id="{96153EF0-2A77-4DE1-B4D5-B183444FA383}" type="datetimeFigureOut">
               <a:rPr lang="en-ZA" smtClean="0"/>
-              <a:t>2015/07/23</a:t>
+              <a:t>2015-07-24</a:t>
             </a:fld>
             <a:endParaRPr lang="en-ZA"/>
           </a:p>
@@ -3221,7 +3221,7 @@
           <a:p>
             <a:fld id="{96153EF0-2A77-4DE1-B4D5-B183444FA383}" type="datetimeFigureOut">
               <a:rPr lang="en-ZA" smtClean="0"/>
-              <a:t>2015/07/23</a:t>
+              <a:t>2015-07-24</a:t>
             </a:fld>
             <a:endParaRPr lang="en-ZA"/>
           </a:p>
@@ -3391,7 +3391,7 @@
           <a:p>
             <a:fld id="{96153EF0-2A77-4DE1-B4D5-B183444FA383}" type="datetimeFigureOut">
               <a:rPr lang="en-ZA" smtClean="0"/>
-              <a:t>2015/07/23</a:t>
+              <a:t>2015-07-24</a:t>
             </a:fld>
             <a:endParaRPr lang="en-ZA"/>
           </a:p>
@@ -3638,7 +3638,7 @@
           <a:p>
             <a:fld id="{96153EF0-2A77-4DE1-B4D5-B183444FA383}" type="datetimeFigureOut">
               <a:rPr lang="en-ZA" smtClean="0"/>
-              <a:t>2015/07/23</a:t>
+              <a:t>2015-07-24</a:t>
             </a:fld>
             <a:endParaRPr lang="en-ZA"/>
           </a:p>
@@ -3930,7 +3930,7 @@
           <a:p>
             <a:fld id="{96153EF0-2A77-4DE1-B4D5-B183444FA383}" type="datetimeFigureOut">
               <a:rPr lang="en-ZA" smtClean="0"/>
-              <a:t>2015/07/23</a:t>
+              <a:t>2015-07-24</a:t>
             </a:fld>
             <a:endParaRPr lang="en-ZA"/>
           </a:p>
@@ -4374,7 +4374,7 @@
           <a:p>
             <a:fld id="{96153EF0-2A77-4DE1-B4D5-B183444FA383}" type="datetimeFigureOut">
               <a:rPr lang="en-ZA" smtClean="0"/>
-              <a:t>2015/07/23</a:t>
+              <a:t>2015-07-24</a:t>
             </a:fld>
             <a:endParaRPr lang="en-ZA"/>
           </a:p>
@@ -4492,7 +4492,7 @@
           <a:p>
             <a:fld id="{96153EF0-2A77-4DE1-B4D5-B183444FA383}" type="datetimeFigureOut">
               <a:rPr lang="en-ZA" smtClean="0"/>
-              <a:t>2015/07/23</a:t>
+              <a:t>2015-07-24</a:t>
             </a:fld>
             <a:endParaRPr lang="en-ZA"/>
           </a:p>
@@ -4587,7 +4587,7 @@
           <a:p>
             <a:fld id="{96153EF0-2A77-4DE1-B4D5-B183444FA383}" type="datetimeFigureOut">
               <a:rPr lang="en-ZA" smtClean="0"/>
-              <a:t>2015/07/23</a:t>
+              <a:t>2015-07-24</a:t>
             </a:fld>
             <a:endParaRPr lang="en-ZA"/>
           </a:p>
@@ -4866,7 +4866,7 @@
           <a:p>
             <a:fld id="{96153EF0-2A77-4DE1-B4D5-B183444FA383}" type="datetimeFigureOut">
               <a:rPr lang="en-ZA" smtClean="0"/>
-              <a:t>2015/07/23</a:t>
+              <a:t>2015-07-24</a:t>
             </a:fld>
             <a:endParaRPr lang="en-ZA"/>
           </a:p>
@@ -5141,7 +5141,7 @@
           <a:p>
             <a:fld id="{96153EF0-2A77-4DE1-B4D5-B183444FA383}" type="datetimeFigureOut">
               <a:rPr lang="en-ZA" smtClean="0"/>
-              <a:t>2015/07/23</a:t>
+              <a:t>2015-07-24</a:t>
             </a:fld>
             <a:endParaRPr lang="en-ZA"/>
           </a:p>
@@ -5570,7 +5570,7 @@
           <a:p>
             <a:fld id="{96153EF0-2A77-4DE1-B4D5-B183444FA383}" type="datetimeFigureOut">
               <a:rPr lang="en-ZA" smtClean="0"/>
-              <a:t>2015/07/23</a:t>
+              <a:t>2015-07-24</a:t>
             </a:fld>
             <a:endParaRPr lang="en-ZA"/>
           </a:p>
@@ -6479,31 +6479,6 @@
             </a:r>
           </a:p>
           <a:p>
-            <a:pPr marL="457200" lvl="1" indent="0">
-              <a:buNone/>
-            </a:pPr>
-            <a:r>
-              <a:rPr lang="en-ZA" dirty="0" smtClean="0"/>
-              <a:t>[Insert picture of </a:t>
-            </a:r>
-            <a:r>
-              <a:rPr lang="en-ZA" dirty="0" err="1" smtClean="0"/>
-              <a:t>Javablock</a:t>
-            </a:r>
-            <a:r>
-              <a:rPr lang="en-ZA" dirty="0" smtClean="0"/>
-              <a:t> </a:t>
-            </a:r>
-            <a:r>
-              <a:rPr lang="en-ZA" dirty="0" err="1" smtClean="0"/>
-              <a:t>uml</a:t>
-            </a:r>
-            <a:r>
-              <a:rPr lang="en-ZA" dirty="0" smtClean="0"/>
-              <a:t> diagram here]</a:t>
-            </a:r>
-          </a:p>
-          <a:p>
             <a:pPr marL="0" indent="0">
               <a:buNone/>
             </a:pPr>
@@ -6827,41 +6802,12 @@
             </a:pPr>
             <a:r>
               <a:rPr lang="en-ZA" dirty="0" smtClean="0"/>
-              <a:t>	[Insert picture of screenshot of the backlogs here?] </a:t>
-            </a:r>
-            <a:endParaRPr lang="en-ZA" dirty="0" smtClean="0"/>
-          </a:p>
-          <a:p>
-            <a:pPr marL="0" indent="0">
-              <a:buNone/>
-            </a:pPr>
+              <a:t>	</a:t>
+            </a:r>
             <a:endParaRPr lang="en-ZA" dirty="0"/>
           </a:p>
         </p:txBody>
       </p:sp>
-      <p:pic>
-        <p:nvPicPr>
-          <p:cNvPr id="5" name="Picture 4"/>
-          <p:cNvPicPr>
-            <a:picLocks noChangeAspect="1"/>
-          </p:cNvPicPr>
-          <p:nvPr/>
-        </p:nvPicPr>
-        <p:blipFill rotWithShape="1">
-          <a:blip r:embed="rId2"/>
-          <a:srcRect l="37684" t="20666" r="23158" b="6351"/>
-          <a:stretch/>
-        </p:blipFill>
-        <p:spPr>
-          <a:xfrm>
-            <a:off x="8149389" y="3465095"/>
-            <a:ext cx="3860077" cy="3392905"/>
-          </a:xfrm>
-          <a:prstGeom prst="rect">
-            <a:avLst/>
-          </a:prstGeom>
-        </p:spPr>
-      </p:pic>
     </p:spTree>
     <p:extLst>
       <p:ext uri="{BB962C8B-B14F-4D97-AF65-F5344CB8AC3E}">
@@ -6944,48 +6890,16 @@
           <a:p>
             <a:r>
               <a:rPr lang="en-ZA" dirty="0" smtClean="0"/>
-              <a:t>This ensured that we would fully complete each task without worrying about whether or not the client will like it at a later stage</a:t>
-            </a:r>
-          </a:p>
-          <a:p>
+              <a:t>This ensured that we would fully complete each task without worrying about whether or not the client will like it at a later </a:t>
+            </a:r>
             <a:r>
               <a:rPr lang="en-ZA" dirty="0" smtClean="0"/>
-              <a:t>[Insert pictures of the GUI changes here]</a:t>
-            </a:r>
-            <a:endParaRPr lang="en-ZA" dirty="0"/>
-          </a:p>
-        </p:txBody>
-      </p:sp>
-      <p:pic>
-        <p:nvPicPr>
-          <p:cNvPr id="4" name="Picture 3"/>
-          <p:cNvPicPr>
-            <a:picLocks noChangeAspect="1"/>
-          </p:cNvPicPr>
-          <p:nvPr/>
-        </p:nvPicPr>
-        <p:blipFill>
-          <a:blip r:embed="rId2" cstate="print">
-            <a:extLst>
-              <a:ext uri="{28A0092B-C50C-407E-A947-70E740481C1C}">
-                <a14:useLocalDpi xmlns:a14="http://schemas.microsoft.com/office/drawing/2010/main" val="0"/>
-              </a:ext>
-            </a:extLst>
-          </a:blip>
-          <a:stretch>
-            <a:fillRect/>
-          </a:stretch>
-        </p:blipFill>
-        <p:spPr>
-          <a:xfrm>
-            <a:off x="6520204" y="3640037"/>
-            <a:ext cx="5425549" cy="3051872"/>
-          </a:xfrm>
-          <a:prstGeom prst="rect">
-            <a:avLst/>
-          </a:prstGeom>
-        </p:spPr>
-      </p:pic>
+              <a:t>stage</a:t>
+            </a:r>
+            <a:endParaRPr lang="en-ZA" dirty="0" smtClean="0"/>
+          </a:p>
+        </p:txBody>
+      </p:sp>
     </p:spTree>
     <p:extLst>
       <p:ext uri="{BB962C8B-B14F-4D97-AF65-F5344CB8AC3E}">
